--- a/presentation.pptx
+++ b/presentation.pptx
@@ -8,9 +8,9 @@
     <p:sldId id="256" r:id="rId2"/>
     <p:sldId id="257" r:id="rId3"/>
     <p:sldId id="260" r:id="rId4"/>
-    <p:sldId id="263" r:id="rId5"/>
-    <p:sldId id="261" r:id="rId6"/>
-    <p:sldId id="259" r:id="rId7"/>
+    <p:sldId id="269" r:id="rId5"/>
+    <p:sldId id="263" r:id="rId6"/>
+    <p:sldId id="261" r:id="rId7"/>
     <p:sldId id="262" r:id="rId8"/>
     <p:sldId id="264" r:id="rId9"/>
     <p:sldId id="266" r:id="rId10"/>
@@ -180,7 +180,7 @@
           <a:noFill/>
           <a:extLst>
             <a:ext uri="{909E8E84-426E-40dd-AFC4-6F175D3DCCD1}">
-              <a14:hiddenFill xmlns:a14="http://schemas.microsoft.com/office/drawing/2010/main" xmlns="">
+              <a14:hiddenFill xmlns="" xmlns:a14="http://schemas.microsoft.com/office/drawing/2010/main">
                 <a:solidFill>
                   <a:srgbClr val="FFFFFF"/>
                 </a:solidFill>
@@ -240,7 +240,7 @@
             </a:ln>
             <a:extLst>
               <a:ext uri="{91240B29-F687-4f45-9708-019B960494DF}">
-                <a14:hiddenLine xmlns:a14="http://schemas.microsoft.com/office/drawing/2010/main" xmlns="" w="9525">
+                <a14:hiddenLine xmlns="" xmlns:a14="http://schemas.microsoft.com/office/drawing/2010/main" w="9525">
                   <a:solidFill>
                     <a:srgbClr val="000000"/>
                   </a:solidFill>
@@ -330,7 +330,7 @@
             </a:ln>
             <a:extLst>
               <a:ext uri="{91240B29-F687-4f45-9708-019B960494DF}">
-                <a14:hiddenLine xmlns:a14="http://schemas.microsoft.com/office/drawing/2010/main" xmlns="" w="9525">
+                <a14:hiddenLine xmlns="" xmlns:a14="http://schemas.microsoft.com/office/drawing/2010/main" w="9525">
                   <a:solidFill>
                     <a:srgbClr val="000000"/>
                   </a:solidFill>
@@ -420,7 +420,7 @@
             </a:ln>
             <a:extLst>
               <a:ext uri="{91240B29-F687-4f45-9708-019B960494DF}">
-                <a14:hiddenLine xmlns:a14="http://schemas.microsoft.com/office/drawing/2010/main" xmlns="" w="9525">
+                <a14:hiddenLine xmlns="" xmlns:a14="http://schemas.microsoft.com/office/drawing/2010/main" w="9525">
                   <a:solidFill>
                     <a:srgbClr val="000000"/>
                   </a:solidFill>
@@ -454,7 +454,7 @@
             </a:ln>
             <a:extLst>
               <a:ext uri="{91240B29-F687-4f45-9708-019B960494DF}">
-                <a14:hiddenLine xmlns:a14="http://schemas.microsoft.com/office/drawing/2010/main" xmlns="" w="9525">
+                <a14:hiddenLine xmlns="" xmlns:a14="http://schemas.microsoft.com/office/drawing/2010/main" w="9525">
                   <a:solidFill>
                     <a:srgbClr val="000000"/>
                   </a:solidFill>
@@ -544,7 +544,7 @@
             </a:ln>
             <a:extLst>
               <a:ext uri="{91240B29-F687-4f45-9708-019B960494DF}">
-                <a14:hiddenLine xmlns:a14="http://schemas.microsoft.com/office/drawing/2010/main" xmlns="" w="9525">
+                <a14:hiddenLine xmlns="" xmlns:a14="http://schemas.microsoft.com/office/drawing/2010/main" w="9525">
                   <a:solidFill>
                     <a:srgbClr val="000000"/>
                   </a:solidFill>
@@ -606,7 +606,7 @@
             </a:ln>
             <a:extLst>
               <a:ext uri="{91240B29-F687-4f45-9708-019B960494DF}">
-                <a14:hiddenLine xmlns:a14="http://schemas.microsoft.com/office/drawing/2010/main" xmlns="" w="9525">
+                <a14:hiddenLine xmlns="" xmlns:a14="http://schemas.microsoft.com/office/drawing/2010/main" w="9525">
                   <a:solidFill>
                     <a:srgbClr val="000000"/>
                   </a:solidFill>
@@ -668,7 +668,7 @@
             </a:ln>
             <a:extLst>
               <a:ext uri="{91240B29-F687-4f45-9708-019B960494DF}">
-                <a14:hiddenLine xmlns:a14="http://schemas.microsoft.com/office/drawing/2010/main" xmlns="" w="9525">
+                <a14:hiddenLine xmlns="" xmlns:a14="http://schemas.microsoft.com/office/drawing/2010/main" w="9525">
                   <a:solidFill>
                     <a:srgbClr val="000000"/>
                   </a:solidFill>
@@ -758,7 +758,7 @@
             </a:ln>
             <a:extLst>
               <a:ext uri="{91240B29-F687-4f45-9708-019B960494DF}">
-                <a14:hiddenLine xmlns:a14="http://schemas.microsoft.com/office/drawing/2010/main" xmlns="" w="9525">
+                <a14:hiddenLine xmlns="" xmlns:a14="http://schemas.microsoft.com/office/drawing/2010/main" w="9525">
                   <a:solidFill>
                     <a:srgbClr val="000000"/>
                   </a:solidFill>
@@ -820,7 +820,7 @@
             </a:ln>
             <a:extLst>
               <a:ext uri="{91240B29-F687-4f45-9708-019B960494DF}">
-                <a14:hiddenLine xmlns:a14="http://schemas.microsoft.com/office/drawing/2010/main" xmlns="" w="9525">
+                <a14:hiddenLine xmlns="" xmlns:a14="http://schemas.microsoft.com/office/drawing/2010/main" w="9525">
                   <a:solidFill>
                     <a:srgbClr val="000000"/>
                   </a:solidFill>
@@ -882,7 +882,7 @@
             </a:ln>
             <a:extLst>
               <a:ext uri="{91240B29-F687-4f45-9708-019B960494DF}">
-                <a14:hiddenLine xmlns:a14="http://schemas.microsoft.com/office/drawing/2010/main" xmlns="" w="9525">
+                <a14:hiddenLine xmlns="" xmlns:a14="http://schemas.microsoft.com/office/drawing/2010/main" w="9525">
                   <a:solidFill>
                     <a:srgbClr val="000000"/>
                   </a:solidFill>
@@ -972,7 +972,7 @@
             </a:ln>
             <a:extLst>
               <a:ext uri="{91240B29-F687-4f45-9708-019B960494DF}">
-                <a14:hiddenLine xmlns:a14="http://schemas.microsoft.com/office/drawing/2010/main" xmlns="" w="9525">
+                <a14:hiddenLine xmlns="" xmlns:a14="http://schemas.microsoft.com/office/drawing/2010/main" w="9525">
                   <a:solidFill>
                     <a:srgbClr val="000000"/>
                   </a:solidFill>
@@ -1062,7 +1062,7 @@
             </a:ln>
             <a:extLst>
               <a:ext uri="{91240B29-F687-4f45-9708-019B960494DF}">
-                <a14:hiddenLine xmlns:a14="http://schemas.microsoft.com/office/drawing/2010/main" xmlns="" w="9525">
+                <a14:hiddenLine xmlns="" xmlns:a14="http://schemas.microsoft.com/office/drawing/2010/main" w="9525">
                   <a:solidFill>
                     <a:srgbClr val="000000"/>
                   </a:solidFill>
@@ -1124,7 +1124,7 @@
             </a:ln>
             <a:extLst>
               <a:ext uri="{91240B29-F687-4f45-9708-019B960494DF}">
-                <a14:hiddenLine xmlns:a14="http://schemas.microsoft.com/office/drawing/2010/main" xmlns="" w="9525">
+                <a14:hiddenLine xmlns="" xmlns:a14="http://schemas.microsoft.com/office/drawing/2010/main" w="9525">
                   <a:solidFill>
                     <a:srgbClr val="000000"/>
                   </a:solidFill>
@@ -1234,7 +1234,7 @@
             </a:ln>
             <a:extLst>
               <a:ext uri="{91240B29-F687-4f45-9708-019B960494DF}">
-                <a14:hiddenLine xmlns:a14="http://schemas.microsoft.com/office/drawing/2010/main" xmlns="" w="9525">
+                <a14:hiddenLine xmlns="" xmlns:a14="http://schemas.microsoft.com/office/drawing/2010/main" w="9525">
                   <a:solidFill>
                     <a:srgbClr val="000000"/>
                   </a:solidFill>
@@ -1296,7 +1296,7 @@
             </a:ln>
             <a:extLst>
               <a:ext uri="{91240B29-F687-4f45-9708-019B960494DF}">
-                <a14:hiddenLine xmlns:a14="http://schemas.microsoft.com/office/drawing/2010/main" xmlns="" w="9525">
+                <a14:hiddenLine xmlns="" xmlns:a14="http://schemas.microsoft.com/office/drawing/2010/main" w="9525">
                   <a:solidFill>
                     <a:srgbClr val="000000"/>
                   </a:solidFill>
@@ -1386,7 +1386,7 @@
             </a:ln>
             <a:extLst>
               <a:ext uri="{91240B29-F687-4f45-9708-019B960494DF}">
-                <a14:hiddenLine xmlns:a14="http://schemas.microsoft.com/office/drawing/2010/main" xmlns="" w="9525">
+                <a14:hiddenLine xmlns="" xmlns:a14="http://schemas.microsoft.com/office/drawing/2010/main" w="9525">
                   <a:solidFill>
                     <a:srgbClr val="000000"/>
                   </a:solidFill>
@@ -1476,7 +1476,7 @@
             </a:ln>
             <a:extLst>
               <a:ext uri="{91240B29-F687-4f45-9708-019B960494DF}">
-                <a14:hiddenLine xmlns:a14="http://schemas.microsoft.com/office/drawing/2010/main" xmlns="" w="9525">
+                <a14:hiddenLine xmlns="" xmlns:a14="http://schemas.microsoft.com/office/drawing/2010/main" w="9525">
                   <a:solidFill>
                     <a:srgbClr val="000000"/>
                   </a:solidFill>
@@ -1538,7 +1538,7 @@
             </a:ln>
             <a:extLst>
               <a:ext uri="{91240B29-F687-4f45-9708-019B960494DF}">
-                <a14:hiddenLine xmlns:a14="http://schemas.microsoft.com/office/drawing/2010/main" xmlns="" w="9525">
+                <a14:hiddenLine xmlns="" xmlns:a14="http://schemas.microsoft.com/office/drawing/2010/main" w="9525">
                   <a:solidFill>
                     <a:srgbClr val="000000"/>
                   </a:solidFill>
@@ -1628,7 +1628,7 @@
             </a:ln>
             <a:extLst>
               <a:ext uri="{91240B29-F687-4f45-9708-019B960494DF}">
-                <a14:hiddenLine xmlns:a14="http://schemas.microsoft.com/office/drawing/2010/main" xmlns="" w="9525">
+                <a14:hiddenLine xmlns="" xmlns:a14="http://schemas.microsoft.com/office/drawing/2010/main" w="9525">
                   <a:solidFill>
                     <a:srgbClr val="000000"/>
                   </a:solidFill>
@@ -1718,7 +1718,7 @@
             </a:ln>
             <a:extLst>
               <a:ext uri="{91240B29-F687-4f45-9708-019B960494DF}">
-                <a14:hiddenLine xmlns:a14="http://schemas.microsoft.com/office/drawing/2010/main" xmlns="" w="9525">
+                <a14:hiddenLine xmlns="" xmlns:a14="http://schemas.microsoft.com/office/drawing/2010/main" w="9525">
                   <a:solidFill>
                     <a:srgbClr val="000000"/>
                   </a:solidFill>
@@ -1774,7 +1774,7 @@
             </a:ln>
             <a:extLst>
               <a:ext uri="{91240B29-F687-4f45-9708-019B960494DF}">
-                <a14:hiddenLine xmlns:a14="http://schemas.microsoft.com/office/drawing/2010/main" xmlns="" w="9525">
+                <a14:hiddenLine xmlns="" xmlns:a14="http://schemas.microsoft.com/office/drawing/2010/main" w="9525">
                   <a:solidFill>
                     <a:srgbClr val="000000"/>
                   </a:solidFill>
@@ -1864,7 +1864,7 @@
             </a:ln>
             <a:extLst>
               <a:ext uri="{91240B29-F687-4f45-9708-019B960494DF}">
-                <a14:hiddenLine xmlns:a14="http://schemas.microsoft.com/office/drawing/2010/main" xmlns="" w="9525">
+                <a14:hiddenLine xmlns="" xmlns:a14="http://schemas.microsoft.com/office/drawing/2010/main" w="9525">
                   <a:solidFill>
                     <a:srgbClr val="000000"/>
                   </a:solidFill>
@@ -1920,7 +1920,7 @@
             </a:ln>
             <a:extLst>
               <a:ext uri="{91240B29-F687-4f45-9708-019B960494DF}">
-                <a14:hiddenLine xmlns:a14="http://schemas.microsoft.com/office/drawing/2010/main" xmlns="" w="9525">
+                <a14:hiddenLine xmlns="" xmlns:a14="http://schemas.microsoft.com/office/drawing/2010/main" w="9525">
                   <a:solidFill>
                     <a:srgbClr val="000000"/>
                   </a:solidFill>
@@ -2010,7 +2010,7 @@
             </a:ln>
             <a:extLst>
               <a:ext uri="{91240B29-F687-4f45-9708-019B960494DF}">
-                <a14:hiddenLine xmlns:a14="http://schemas.microsoft.com/office/drawing/2010/main" xmlns="" w="9525">
+                <a14:hiddenLine xmlns="" xmlns:a14="http://schemas.microsoft.com/office/drawing/2010/main" w="9525">
                   <a:solidFill>
                     <a:srgbClr val="000000"/>
                   </a:solidFill>
@@ -2078,7 +2078,7 @@
             </a:ln>
             <a:extLst>
               <a:ext uri="{91240B29-F687-4f45-9708-019B960494DF}">
-                <a14:hiddenLine xmlns:a14="http://schemas.microsoft.com/office/drawing/2010/main" xmlns="" w="9525">
+                <a14:hiddenLine xmlns="" xmlns:a14="http://schemas.microsoft.com/office/drawing/2010/main" w="9525">
                   <a:solidFill>
                     <a:srgbClr val="000000"/>
                   </a:solidFill>
@@ -2168,7 +2168,7 @@
             </a:ln>
             <a:extLst>
               <a:ext uri="{91240B29-F687-4f45-9708-019B960494DF}">
-                <a14:hiddenLine xmlns:a14="http://schemas.microsoft.com/office/drawing/2010/main" xmlns="" w="9525">
+                <a14:hiddenLine xmlns="" xmlns:a14="http://schemas.microsoft.com/office/drawing/2010/main" w="9525">
                   <a:solidFill>
                     <a:srgbClr val="000000"/>
                   </a:solidFill>
@@ -2236,7 +2236,7 @@
             </a:ln>
             <a:extLst>
               <a:ext uri="{91240B29-F687-4f45-9708-019B960494DF}">
-                <a14:hiddenLine xmlns:a14="http://schemas.microsoft.com/office/drawing/2010/main" xmlns="" w="9525">
+                <a14:hiddenLine xmlns="" xmlns:a14="http://schemas.microsoft.com/office/drawing/2010/main" w="9525">
                   <a:solidFill>
                     <a:srgbClr val="000000"/>
                   </a:solidFill>
@@ -2326,7 +2326,7 @@
             </a:ln>
             <a:extLst>
               <a:ext uri="{91240B29-F687-4f45-9708-019B960494DF}">
-                <a14:hiddenLine xmlns:a14="http://schemas.microsoft.com/office/drawing/2010/main" xmlns="" w="9525">
+                <a14:hiddenLine xmlns="" xmlns:a14="http://schemas.microsoft.com/office/drawing/2010/main" w="9525">
                   <a:solidFill>
                     <a:srgbClr val="000000"/>
                   </a:solidFill>
@@ -2360,7 +2360,7 @@
             </a:ln>
             <a:extLst>
               <a:ext uri="{91240B29-F687-4f45-9708-019B960494DF}">
-                <a14:hiddenLine xmlns:a14="http://schemas.microsoft.com/office/drawing/2010/main" xmlns="" w="9525">
+                <a14:hiddenLine xmlns="" xmlns:a14="http://schemas.microsoft.com/office/drawing/2010/main" w="9525">
                   <a:solidFill>
                     <a:srgbClr val="000000"/>
                   </a:solidFill>
@@ -2450,7 +2450,7 @@
             </a:ln>
             <a:extLst>
               <a:ext uri="{91240B29-F687-4f45-9708-019B960494DF}">
-                <a14:hiddenLine xmlns:a14="http://schemas.microsoft.com/office/drawing/2010/main" xmlns="" w="9525">
+                <a14:hiddenLine xmlns="" xmlns:a14="http://schemas.microsoft.com/office/drawing/2010/main" w="9525">
                   <a:solidFill>
                     <a:srgbClr val="000000"/>
                   </a:solidFill>
@@ -2512,7 +2512,7 @@
             </a:ln>
             <a:extLst>
               <a:ext uri="{91240B29-F687-4f45-9708-019B960494DF}">
-                <a14:hiddenLine xmlns:a14="http://schemas.microsoft.com/office/drawing/2010/main" xmlns="" w="9525">
+                <a14:hiddenLine xmlns="" xmlns:a14="http://schemas.microsoft.com/office/drawing/2010/main" w="9525">
                   <a:solidFill>
                     <a:srgbClr val="000000"/>
                   </a:solidFill>
@@ -2574,7 +2574,7 @@
             </a:ln>
             <a:extLst>
               <a:ext uri="{91240B29-F687-4f45-9708-019B960494DF}">
-                <a14:hiddenLine xmlns:a14="http://schemas.microsoft.com/office/drawing/2010/main" xmlns="" w="9525">
+                <a14:hiddenLine xmlns="" xmlns:a14="http://schemas.microsoft.com/office/drawing/2010/main" w="9525">
                   <a:solidFill>
                     <a:srgbClr val="000000"/>
                   </a:solidFill>
@@ -2664,7 +2664,7 @@
             </a:ln>
             <a:extLst>
               <a:ext uri="{91240B29-F687-4f45-9708-019B960494DF}">
-                <a14:hiddenLine xmlns:a14="http://schemas.microsoft.com/office/drawing/2010/main" xmlns="" w="9525">
+                <a14:hiddenLine xmlns="" xmlns:a14="http://schemas.microsoft.com/office/drawing/2010/main" w="9525">
                   <a:solidFill>
                     <a:srgbClr val="000000"/>
                   </a:solidFill>
@@ -2732,7 +2732,7 @@
             </a:ln>
             <a:extLst>
               <a:ext uri="{91240B29-F687-4f45-9708-019B960494DF}">
-                <a14:hiddenLine xmlns:a14="http://schemas.microsoft.com/office/drawing/2010/main" xmlns="" w="9525">
+                <a14:hiddenLine xmlns="" xmlns:a14="http://schemas.microsoft.com/office/drawing/2010/main" w="9525">
                   <a:solidFill>
                     <a:srgbClr val="000000"/>
                   </a:solidFill>
@@ -2794,7 +2794,7 @@
             </a:ln>
             <a:extLst>
               <a:ext uri="{91240B29-F687-4f45-9708-019B960494DF}">
-                <a14:hiddenLine xmlns:a14="http://schemas.microsoft.com/office/drawing/2010/main" xmlns="" w="9525">
+                <a14:hiddenLine xmlns="" xmlns:a14="http://schemas.microsoft.com/office/drawing/2010/main" w="9525">
                   <a:solidFill>
                     <a:srgbClr val="000000"/>
                   </a:solidFill>
@@ -2884,7 +2884,7 @@
             </a:ln>
             <a:extLst>
               <a:ext uri="{91240B29-F687-4f45-9708-019B960494DF}">
-                <a14:hiddenLine xmlns:a14="http://schemas.microsoft.com/office/drawing/2010/main" xmlns="" w="9525">
+                <a14:hiddenLine xmlns="" xmlns:a14="http://schemas.microsoft.com/office/drawing/2010/main" w="9525">
                   <a:solidFill>
                     <a:srgbClr val="000000"/>
                   </a:solidFill>
@@ -2946,7 +2946,7 @@
             </a:ln>
             <a:extLst>
               <a:ext uri="{91240B29-F687-4f45-9708-019B960494DF}">
-                <a14:hiddenLine xmlns:a14="http://schemas.microsoft.com/office/drawing/2010/main" xmlns="" w="9525">
+                <a14:hiddenLine xmlns="" xmlns:a14="http://schemas.microsoft.com/office/drawing/2010/main" w="9525">
                   <a:solidFill>
                     <a:srgbClr val="000000"/>
                   </a:solidFill>
@@ -3036,7 +3036,7 @@
             </a:ln>
             <a:extLst>
               <a:ext uri="{91240B29-F687-4f45-9708-019B960494DF}">
-                <a14:hiddenLine xmlns:a14="http://schemas.microsoft.com/office/drawing/2010/main" xmlns="" w="9525">
+                <a14:hiddenLine xmlns="" xmlns:a14="http://schemas.microsoft.com/office/drawing/2010/main" w="9525">
                   <a:solidFill>
                     <a:srgbClr val="000000"/>
                   </a:solidFill>
@@ -3098,7 +3098,7 @@
             </a:ln>
             <a:extLst>
               <a:ext uri="{91240B29-F687-4f45-9708-019B960494DF}">
-                <a14:hiddenLine xmlns:a14="http://schemas.microsoft.com/office/drawing/2010/main" xmlns="" w="9525">
+                <a14:hiddenLine xmlns="" xmlns:a14="http://schemas.microsoft.com/office/drawing/2010/main" w="9525">
                   <a:solidFill>
                     <a:srgbClr val="000000"/>
                   </a:solidFill>
@@ -3188,7 +3188,7 @@
             </a:ln>
             <a:extLst>
               <a:ext uri="{91240B29-F687-4f45-9708-019B960494DF}">
-                <a14:hiddenLine xmlns:a14="http://schemas.microsoft.com/office/drawing/2010/main" xmlns="" w="9525">
+                <a14:hiddenLine xmlns="" xmlns:a14="http://schemas.microsoft.com/office/drawing/2010/main" w="9525">
                   <a:solidFill>
                     <a:srgbClr val="000000"/>
                   </a:solidFill>
@@ -3222,7 +3222,7 @@
             </a:ln>
             <a:extLst>
               <a:ext uri="{91240B29-F687-4f45-9708-019B960494DF}">
-                <a14:hiddenLine xmlns:a14="http://schemas.microsoft.com/office/drawing/2010/main" xmlns="" w="9525">
+                <a14:hiddenLine xmlns="" xmlns:a14="http://schemas.microsoft.com/office/drawing/2010/main" w="9525">
                   <a:solidFill>
                     <a:srgbClr val="000000"/>
                   </a:solidFill>
@@ -3287,7 +3287,7 @@
             </a:ln>
             <a:extLst>
               <a:ext uri="{91240B29-F687-4f45-9708-019B960494DF}">
-                <a14:hiddenLine xmlns:a14="http://schemas.microsoft.com/office/drawing/2010/main" xmlns="" w="9525">
+                <a14:hiddenLine xmlns="" xmlns:a14="http://schemas.microsoft.com/office/drawing/2010/main" w="9525">
                   <a:solidFill>
                     <a:srgbClr val="000000"/>
                   </a:solidFill>
@@ -3377,7 +3377,7 @@
             </a:ln>
             <a:extLst>
               <a:ext uri="{91240B29-F687-4f45-9708-019B960494DF}">
-                <a14:hiddenLine xmlns:a14="http://schemas.microsoft.com/office/drawing/2010/main" xmlns="" w="9525">
+                <a14:hiddenLine xmlns="" xmlns:a14="http://schemas.microsoft.com/office/drawing/2010/main" w="9525">
                   <a:solidFill>
                     <a:srgbClr val="000000"/>
                   </a:solidFill>
@@ -3439,7 +3439,7 @@
             </a:ln>
             <a:extLst>
               <a:ext uri="{91240B29-F687-4f45-9708-019B960494DF}">
-                <a14:hiddenLine xmlns:a14="http://schemas.microsoft.com/office/drawing/2010/main" xmlns="" w="9525">
+                <a14:hiddenLine xmlns="" xmlns:a14="http://schemas.microsoft.com/office/drawing/2010/main" w="9525">
                   <a:solidFill>
                     <a:srgbClr val="000000"/>
                   </a:solidFill>
@@ -3529,7 +3529,7 @@
             </a:ln>
             <a:extLst>
               <a:ext uri="{91240B29-F687-4f45-9708-019B960494DF}">
-                <a14:hiddenLine xmlns:a14="http://schemas.microsoft.com/office/drawing/2010/main" xmlns="" w="9525">
+                <a14:hiddenLine xmlns="" xmlns:a14="http://schemas.microsoft.com/office/drawing/2010/main" w="9525">
                   <a:solidFill>
                     <a:srgbClr val="000000"/>
                   </a:solidFill>
@@ -3619,7 +3619,7 @@
             </a:ln>
             <a:extLst>
               <a:ext uri="{91240B29-F687-4f45-9708-019B960494DF}">
-                <a14:hiddenLine xmlns:a14="http://schemas.microsoft.com/office/drawing/2010/main" xmlns="" w="9525">
+                <a14:hiddenLine xmlns="" xmlns:a14="http://schemas.microsoft.com/office/drawing/2010/main" w="9525">
                   <a:solidFill>
                     <a:srgbClr val="000000"/>
                   </a:solidFill>
@@ -3684,7 +3684,7 @@
             </a:ln>
             <a:extLst>
               <a:ext uri="{91240B29-F687-4f45-9708-019B960494DF}">
-                <a14:hiddenLine xmlns:a14="http://schemas.microsoft.com/office/drawing/2010/main" xmlns="" w="9525">
+                <a14:hiddenLine xmlns="" xmlns:a14="http://schemas.microsoft.com/office/drawing/2010/main" w="9525">
                   <a:solidFill>
                     <a:srgbClr val="000000"/>
                   </a:solidFill>
@@ -3746,7 +3746,7 @@
             </a:ln>
             <a:extLst>
               <a:ext uri="{91240B29-F687-4f45-9708-019B960494DF}">
-                <a14:hiddenLine xmlns:a14="http://schemas.microsoft.com/office/drawing/2010/main" xmlns="" w="9525">
+                <a14:hiddenLine xmlns="" xmlns:a14="http://schemas.microsoft.com/office/drawing/2010/main" w="9525">
                   <a:solidFill>
                     <a:srgbClr val="000000"/>
                   </a:solidFill>
@@ -3836,7 +3836,7 @@
             </a:ln>
             <a:extLst>
               <a:ext uri="{91240B29-F687-4f45-9708-019B960494DF}">
-                <a14:hiddenLine xmlns:a14="http://schemas.microsoft.com/office/drawing/2010/main" xmlns="" w="9525">
+                <a14:hiddenLine xmlns="" xmlns:a14="http://schemas.microsoft.com/office/drawing/2010/main" w="9525">
                   <a:solidFill>
                     <a:srgbClr val="000000"/>
                   </a:solidFill>
@@ -3926,7 +3926,7 @@
             </a:ln>
             <a:extLst>
               <a:ext uri="{91240B29-F687-4f45-9708-019B960494DF}">
-                <a14:hiddenLine xmlns:a14="http://schemas.microsoft.com/office/drawing/2010/main" xmlns="" w="9525">
+                <a14:hiddenLine xmlns="" xmlns:a14="http://schemas.microsoft.com/office/drawing/2010/main" w="9525">
                   <a:solidFill>
                     <a:srgbClr val="000000"/>
                   </a:solidFill>
@@ -3988,7 +3988,7 @@
             </a:ln>
             <a:extLst>
               <a:ext uri="{91240B29-F687-4f45-9708-019B960494DF}">
-                <a14:hiddenLine xmlns:a14="http://schemas.microsoft.com/office/drawing/2010/main" xmlns="" w="9525">
+                <a14:hiddenLine xmlns="" xmlns:a14="http://schemas.microsoft.com/office/drawing/2010/main" w="9525">
                   <a:solidFill>
                     <a:srgbClr val="000000"/>
                   </a:solidFill>
@@ -4108,7 +4108,7 @@
             </a:ln>
             <a:extLst>
               <a:ext uri="{91240B29-F687-4f45-9708-019B960494DF}">
-                <a14:hiddenLine xmlns:a14="http://schemas.microsoft.com/office/drawing/2010/main" xmlns="" w="9525">
+                <a14:hiddenLine xmlns="" xmlns:a14="http://schemas.microsoft.com/office/drawing/2010/main" w="9525">
                   <a:solidFill>
                     <a:srgbClr val="000000"/>
                   </a:solidFill>
@@ -4176,7 +4176,7 @@
             </a:ln>
             <a:extLst>
               <a:ext uri="{91240B29-F687-4f45-9708-019B960494DF}">
-                <a14:hiddenLine xmlns:a14="http://schemas.microsoft.com/office/drawing/2010/main" xmlns="" w="9525">
+                <a14:hiddenLine xmlns="" xmlns:a14="http://schemas.microsoft.com/office/drawing/2010/main" w="9525">
                   <a:solidFill>
                     <a:srgbClr val="000000"/>
                   </a:solidFill>
@@ -4266,7 +4266,7 @@
             </a:ln>
             <a:extLst>
               <a:ext uri="{91240B29-F687-4f45-9708-019B960494DF}">
-                <a14:hiddenLine xmlns:a14="http://schemas.microsoft.com/office/drawing/2010/main" xmlns="" w="9525">
+                <a14:hiddenLine xmlns="" xmlns:a14="http://schemas.microsoft.com/office/drawing/2010/main" w="9525">
                   <a:solidFill>
                     <a:srgbClr val="000000"/>
                   </a:solidFill>
@@ -4406,7 +4406,7 @@
           <a:p>
             <a:fld id="{48A87A34-81AB-432B-8DAE-1953F412C126}" type="datetimeFigureOut">
               <a:rPr lang="en-US" dirty="0"/>
-              <a:t>8/30/2021</a:t>
+              <a:t>8/31/2021</a:t>
             </a:fld>
             <a:endParaRPr lang="en-US" dirty="0"/>
           </a:p>
@@ -4668,7 +4668,7 @@
           <a:p>
             <a:fld id="{48A87A34-81AB-432B-8DAE-1953F412C126}" type="datetimeFigureOut">
               <a:rPr lang="en-US" dirty="0"/>
-              <a:t>8/30/2021</a:t>
+              <a:t>8/31/2021</a:t>
             </a:fld>
             <a:endParaRPr lang="en-US" dirty="0"/>
           </a:p>
@@ -4859,7 +4859,7 @@
           <a:p>
             <a:fld id="{48A87A34-81AB-432B-8DAE-1953F412C126}" type="datetimeFigureOut">
               <a:rPr lang="en-US" dirty="0"/>
-              <a:t>8/30/2021</a:t>
+              <a:t>8/31/2021</a:t>
             </a:fld>
             <a:endParaRPr lang="en-US" dirty="0"/>
           </a:p>
@@ -5117,7 +5117,7 @@
           <a:p>
             <a:fld id="{48A87A34-81AB-432B-8DAE-1953F412C126}" type="datetimeFigureOut">
               <a:rPr lang="en-US" dirty="0"/>
-              <a:t>8/30/2021</a:t>
+              <a:t>8/31/2021</a:t>
             </a:fld>
             <a:endParaRPr lang="en-US" dirty="0"/>
           </a:p>
@@ -5546,7 +5546,7 @@
           <a:p>
             <a:fld id="{48A87A34-81AB-432B-8DAE-1953F412C126}" type="datetimeFigureOut">
               <a:rPr lang="en-US" dirty="0"/>
-              <a:t>8/30/2021</a:t>
+              <a:t>8/31/2021</a:t>
             </a:fld>
             <a:endParaRPr lang="en-US" dirty="0"/>
           </a:p>
@@ -6087,7 +6087,7 @@
           <a:p>
             <a:fld id="{48A87A34-81AB-432B-8DAE-1953F412C126}" type="datetimeFigureOut">
               <a:rPr lang="en-US" dirty="0"/>
-              <a:t>8/30/2021</a:t>
+              <a:t>8/31/2021</a:t>
             </a:fld>
             <a:endParaRPr lang="en-US" dirty="0"/>
           </a:p>
@@ -6802,7 +6802,7 @@
           <a:p>
             <a:fld id="{48A87A34-81AB-432B-8DAE-1953F412C126}" type="datetimeFigureOut">
               <a:rPr lang="en-US" dirty="0"/>
-              <a:t>8/30/2021</a:t>
+              <a:t>8/31/2021</a:t>
             </a:fld>
             <a:endParaRPr lang="en-US" dirty="0"/>
           </a:p>
@@ -6967,7 +6967,7 @@
           <a:p>
             <a:fld id="{48A87A34-81AB-432B-8DAE-1953F412C126}" type="datetimeFigureOut">
               <a:rPr lang="en-US" dirty="0"/>
-              <a:t>8/30/2021</a:t>
+              <a:t>8/31/2021</a:t>
             </a:fld>
             <a:endParaRPr lang="en-US" dirty="0"/>
           </a:p>
@@ -7142,7 +7142,7 @@
           <a:p>
             <a:fld id="{48A87A34-81AB-432B-8DAE-1953F412C126}" type="datetimeFigureOut">
               <a:rPr lang="en-US" dirty="0"/>
-              <a:t>8/30/2021</a:t>
+              <a:t>8/31/2021</a:t>
             </a:fld>
             <a:endParaRPr lang="en-US" dirty="0"/>
           </a:p>
@@ -7307,7 +7307,7 @@
           <a:p>
             <a:fld id="{48A87A34-81AB-432B-8DAE-1953F412C126}" type="datetimeFigureOut">
               <a:rPr lang="en-US" dirty="0"/>
-              <a:t>8/30/2021</a:t>
+              <a:t>8/31/2021</a:t>
             </a:fld>
             <a:endParaRPr lang="en-US" dirty="0"/>
           </a:p>
@@ -7552,7 +7552,7 @@
           <a:p>
             <a:fld id="{48A87A34-81AB-432B-8DAE-1953F412C126}" type="datetimeFigureOut">
               <a:rPr lang="en-US" dirty="0"/>
-              <a:t>8/30/2021</a:t>
+              <a:t>8/31/2021</a:t>
             </a:fld>
             <a:endParaRPr lang="en-US" dirty="0"/>
           </a:p>
@@ -7779,7 +7779,7 @@
           <a:p>
             <a:fld id="{48A87A34-81AB-432B-8DAE-1953F412C126}" type="datetimeFigureOut">
               <a:rPr lang="en-US" dirty="0"/>
-              <a:t>8/30/2021</a:t>
+              <a:t>8/31/2021</a:t>
             </a:fld>
             <a:endParaRPr lang="en-US" dirty="0"/>
           </a:p>
@@ -8155,7 +8155,7 @@
           <a:p>
             <a:fld id="{48A87A34-81AB-432B-8DAE-1953F412C126}" type="datetimeFigureOut">
               <a:rPr lang="en-US" dirty="0"/>
-              <a:t>8/30/2021</a:t>
+              <a:t>8/31/2021</a:t>
             </a:fld>
             <a:endParaRPr lang="en-US" dirty="0"/>
           </a:p>
@@ -8268,7 +8268,7 @@
           <a:p>
             <a:fld id="{48A87A34-81AB-432B-8DAE-1953F412C126}" type="datetimeFigureOut">
               <a:rPr lang="en-US" dirty="0"/>
-              <a:t>8/30/2021</a:t>
+              <a:t>8/31/2021</a:t>
             </a:fld>
             <a:endParaRPr lang="en-US" dirty="0"/>
           </a:p>
@@ -8358,7 +8358,7 @@
           <a:p>
             <a:fld id="{48A87A34-81AB-432B-8DAE-1953F412C126}" type="datetimeFigureOut">
               <a:rPr lang="en-US" dirty="0"/>
-              <a:t>8/30/2021</a:t>
+              <a:t>8/31/2021</a:t>
             </a:fld>
             <a:endParaRPr lang="en-US" dirty="0"/>
           </a:p>
@@ -8602,7 +8602,7 @@
           <a:p>
             <a:fld id="{48A87A34-81AB-432B-8DAE-1953F412C126}" type="datetimeFigureOut">
               <a:rPr lang="en-US" dirty="0"/>
-              <a:t>8/30/2021</a:t>
+              <a:t>8/31/2021</a:t>
             </a:fld>
             <a:endParaRPr lang="en-US" dirty="0"/>
           </a:p>
@@ -8877,7 +8877,7 @@
           <a:p>
             <a:fld id="{48A87A34-81AB-432B-8DAE-1953F412C126}" type="datetimeFigureOut">
               <a:rPr lang="en-US" dirty="0"/>
-              <a:t>8/30/2021</a:t>
+              <a:t>8/31/2021</a:t>
             </a:fld>
             <a:endParaRPr lang="en-US" dirty="0"/>
           </a:p>
@@ -8988,7 +8988,7 @@
           <a:noFill/>
           <a:extLst>
             <a:ext uri="{909E8E84-426E-40dd-AFC4-6F175D3DCCD1}">
-              <a14:hiddenFill xmlns:a14="http://schemas.microsoft.com/office/drawing/2010/main" xmlns="">
+              <a14:hiddenFill xmlns="" xmlns:a14="http://schemas.microsoft.com/office/drawing/2010/main">
                 <a:solidFill>
                   <a:srgbClr val="FFFFFF"/>
                 </a:solidFill>
@@ -9062,7 +9062,7 @@
               </a:ln>
               <a:extLst>
                 <a:ext uri="{91240B29-F687-4f45-9708-019B960494DF}">
-                  <a14:hiddenLine xmlns:a14="http://schemas.microsoft.com/office/drawing/2010/main" xmlns="" w="9525">
+                  <a14:hiddenLine xmlns="" xmlns:a14="http://schemas.microsoft.com/office/drawing/2010/main" w="9525">
                     <a:solidFill>
                       <a:srgbClr val="000000"/>
                     </a:solidFill>
@@ -9152,7 +9152,7 @@
               </a:ln>
               <a:extLst>
                 <a:ext uri="{91240B29-F687-4f45-9708-019B960494DF}">
-                  <a14:hiddenLine xmlns:a14="http://schemas.microsoft.com/office/drawing/2010/main" xmlns="" w="9525">
+                  <a14:hiddenLine xmlns="" xmlns:a14="http://schemas.microsoft.com/office/drawing/2010/main" w="9525">
                     <a:solidFill>
                       <a:srgbClr val="000000"/>
                     </a:solidFill>
@@ -9242,7 +9242,7 @@
               </a:ln>
               <a:extLst>
                 <a:ext uri="{91240B29-F687-4f45-9708-019B960494DF}">
-                  <a14:hiddenLine xmlns:a14="http://schemas.microsoft.com/office/drawing/2010/main" xmlns="" w="9525">
+                  <a14:hiddenLine xmlns="" xmlns:a14="http://schemas.microsoft.com/office/drawing/2010/main" w="9525">
                     <a:solidFill>
                       <a:srgbClr val="000000"/>
                     </a:solidFill>
@@ -9304,7 +9304,7 @@
               </a:ln>
               <a:extLst>
                 <a:ext uri="{91240B29-F687-4f45-9708-019B960494DF}">
-                  <a14:hiddenLine xmlns:a14="http://schemas.microsoft.com/office/drawing/2010/main" xmlns="" w="9525">
+                  <a14:hiddenLine xmlns="" xmlns:a14="http://schemas.microsoft.com/office/drawing/2010/main" w="9525">
                     <a:solidFill>
                       <a:srgbClr val="000000"/>
                     </a:solidFill>
@@ -9394,7 +9394,7 @@
               </a:ln>
               <a:extLst>
                 <a:ext uri="{91240B29-F687-4f45-9708-019B960494DF}">
-                  <a14:hiddenLine xmlns:a14="http://schemas.microsoft.com/office/drawing/2010/main" xmlns="" w="9525">
+                  <a14:hiddenLine xmlns="" xmlns:a14="http://schemas.microsoft.com/office/drawing/2010/main" w="9525">
                     <a:solidFill>
                       <a:srgbClr val="000000"/>
                     </a:solidFill>
@@ -9456,7 +9456,7 @@
               </a:ln>
               <a:extLst>
                 <a:ext uri="{91240B29-F687-4f45-9708-019B960494DF}">
-                  <a14:hiddenLine xmlns:a14="http://schemas.microsoft.com/office/drawing/2010/main" xmlns="" w="9525">
+                  <a14:hiddenLine xmlns="" xmlns:a14="http://schemas.microsoft.com/office/drawing/2010/main" w="9525">
                     <a:solidFill>
                       <a:srgbClr val="000000"/>
                     </a:solidFill>
@@ -9518,7 +9518,7 @@
               </a:ln>
               <a:extLst>
                 <a:ext uri="{91240B29-F687-4f45-9708-019B960494DF}">
-                  <a14:hiddenLine xmlns:a14="http://schemas.microsoft.com/office/drawing/2010/main" xmlns="" w="9525">
+                  <a14:hiddenLine xmlns="" xmlns:a14="http://schemas.microsoft.com/office/drawing/2010/main" w="9525">
                     <a:solidFill>
                       <a:srgbClr val="000000"/>
                     </a:solidFill>
@@ -9608,7 +9608,7 @@
               </a:ln>
               <a:extLst>
                 <a:ext uri="{91240B29-F687-4f45-9708-019B960494DF}">
-                  <a14:hiddenLine xmlns:a14="http://schemas.microsoft.com/office/drawing/2010/main" xmlns="" w="9525">
+                  <a14:hiddenLine xmlns="" xmlns:a14="http://schemas.microsoft.com/office/drawing/2010/main" w="9525">
                     <a:solidFill>
                       <a:srgbClr val="000000"/>
                     </a:solidFill>
@@ -9698,7 +9698,7 @@
               </a:ln>
               <a:extLst>
                 <a:ext uri="{91240B29-F687-4f45-9708-019B960494DF}">
-                  <a14:hiddenLine xmlns:a14="http://schemas.microsoft.com/office/drawing/2010/main" xmlns="" w="9525">
+                  <a14:hiddenLine xmlns="" xmlns:a14="http://schemas.microsoft.com/office/drawing/2010/main" w="9525">
                     <a:solidFill>
                       <a:srgbClr val="000000"/>
                     </a:solidFill>
@@ -9760,7 +9760,7 @@
               </a:ln>
               <a:extLst>
                 <a:ext uri="{91240B29-F687-4f45-9708-019B960494DF}">
-                  <a14:hiddenLine xmlns:a14="http://schemas.microsoft.com/office/drawing/2010/main" xmlns="" w="9525">
+                  <a14:hiddenLine xmlns="" xmlns:a14="http://schemas.microsoft.com/office/drawing/2010/main" w="9525">
                     <a:solidFill>
                       <a:srgbClr val="000000"/>
                     </a:solidFill>
@@ -9870,7 +9870,7 @@
               </a:ln>
               <a:extLst>
                 <a:ext uri="{91240B29-F687-4f45-9708-019B960494DF}">
-                  <a14:hiddenLine xmlns:a14="http://schemas.microsoft.com/office/drawing/2010/main" xmlns="" w="9525">
+                  <a14:hiddenLine xmlns="" xmlns:a14="http://schemas.microsoft.com/office/drawing/2010/main" w="9525">
                     <a:solidFill>
                       <a:srgbClr val="000000"/>
                     </a:solidFill>
@@ -9954,7 +9954,7 @@
               </a:ln>
               <a:extLst>
                 <a:ext uri="{91240B29-F687-4f45-9708-019B960494DF}">
-                  <a14:hiddenLine xmlns:a14="http://schemas.microsoft.com/office/drawing/2010/main" xmlns="" w="9525">
+                  <a14:hiddenLine xmlns="" xmlns:a14="http://schemas.microsoft.com/office/drawing/2010/main" w="9525">
                     <a:solidFill>
                       <a:srgbClr val="000000"/>
                     </a:solidFill>
@@ -10016,7 +10016,7 @@
               </a:ln>
               <a:extLst>
                 <a:ext uri="{91240B29-F687-4f45-9708-019B960494DF}">
-                  <a14:hiddenLine xmlns:a14="http://schemas.microsoft.com/office/drawing/2010/main" xmlns="" w="9525">
+                  <a14:hiddenLine xmlns="" xmlns:a14="http://schemas.microsoft.com/office/drawing/2010/main" w="9525">
                     <a:solidFill>
                       <a:srgbClr val="000000"/>
                     </a:solidFill>
@@ -10078,7 +10078,7 @@
               </a:ln>
               <a:extLst>
                 <a:ext uri="{91240B29-F687-4f45-9708-019B960494DF}">
-                  <a14:hiddenLine xmlns:a14="http://schemas.microsoft.com/office/drawing/2010/main" xmlns="" w="9525">
+                  <a14:hiddenLine xmlns="" xmlns:a14="http://schemas.microsoft.com/office/drawing/2010/main" w="9525">
                     <a:solidFill>
                       <a:srgbClr val="000000"/>
                     </a:solidFill>
@@ -10168,7 +10168,7 @@
               </a:ln>
               <a:extLst>
                 <a:ext uri="{91240B29-F687-4f45-9708-019B960494DF}">
-                  <a14:hiddenLine xmlns:a14="http://schemas.microsoft.com/office/drawing/2010/main" xmlns="" w="9525">
+                  <a14:hiddenLine xmlns="" xmlns:a14="http://schemas.microsoft.com/office/drawing/2010/main" w="9525">
                     <a:solidFill>
                       <a:srgbClr val="000000"/>
                     </a:solidFill>
@@ -10202,7 +10202,7 @@
               </a:ln>
               <a:extLst>
                 <a:ext uri="{91240B29-F687-4f45-9708-019B960494DF}">
-                  <a14:hiddenLine xmlns:a14="http://schemas.microsoft.com/office/drawing/2010/main" xmlns="" w="9525">
+                  <a14:hiddenLine xmlns="" xmlns:a14="http://schemas.microsoft.com/office/drawing/2010/main" w="9525">
                     <a:solidFill>
                       <a:srgbClr val="000000"/>
                     </a:solidFill>
@@ -10267,7 +10267,7 @@
               </a:ln>
               <a:extLst>
                 <a:ext uri="{91240B29-F687-4f45-9708-019B960494DF}">
-                  <a14:hiddenLine xmlns:a14="http://schemas.microsoft.com/office/drawing/2010/main" xmlns="" w="9525">
+                  <a14:hiddenLine xmlns="" xmlns:a14="http://schemas.microsoft.com/office/drawing/2010/main" w="9525">
                     <a:solidFill>
                       <a:srgbClr val="000000"/>
                     </a:solidFill>
@@ -10357,7 +10357,7 @@
               </a:ln>
               <a:extLst>
                 <a:ext uri="{91240B29-F687-4f45-9708-019B960494DF}">
-                  <a14:hiddenLine xmlns:a14="http://schemas.microsoft.com/office/drawing/2010/main" xmlns="" w="9525">
+                  <a14:hiddenLine xmlns="" xmlns:a14="http://schemas.microsoft.com/office/drawing/2010/main" w="9525">
                     <a:solidFill>
                       <a:srgbClr val="000000"/>
                     </a:solidFill>
@@ -10419,7 +10419,7 @@
               </a:ln>
               <a:extLst>
                 <a:ext uri="{91240B29-F687-4f45-9708-019B960494DF}">
-                  <a14:hiddenLine xmlns:a14="http://schemas.microsoft.com/office/drawing/2010/main" xmlns="" w="9525">
+                  <a14:hiddenLine xmlns="" xmlns:a14="http://schemas.microsoft.com/office/drawing/2010/main" w="9525">
                     <a:solidFill>
                       <a:srgbClr val="000000"/>
                     </a:solidFill>
@@ -10509,7 +10509,7 @@
               </a:ln>
               <a:extLst>
                 <a:ext uri="{91240B29-F687-4f45-9708-019B960494DF}">
-                  <a14:hiddenLine xmlns:a14="http://schemas.microsoft.com/office/drawing/2010/main" xmlns="" w="9525">
+                  <a14:hiddenLine xmlns="" xmlns:a14="http://schemas.microsoft.com/office/drawing/2010/main" w="9525">
                     <a:solidFill>
                       <a:srgbClr val="000000"/>
                     </a:solidFill>
@@ -10574,7 +10574,7 @@
               </a:ln>
               <a:extLst>
                 <a:ext uri="{91240B29-F687-4f45-9708-019B960494DF}">
-                  <a14:hiddenLine xmlns:a14="http://schemas.microsoft.com/office/drawing/2010/main" xmlns="" w="9525">
+                  <a14:hiddenLine xmlns="" xmlns:a14="http://schemas.microsoft.com/office/drawing/2010/main" w="9525">
                     <a:solidFill>
                       <a:srgbClr val="000000"/>
                     </a:solidFill>
@@ -10636,7 +10636,7 @@
               </a:ln>
               <a:extLst>
                 <a:ext uri="{91240B29-F687-4f45-9708-019B960494DF}">
-                  <a14:hiddenLine xmlns:a14="http://schemas.microsoft.com/office/drawing/2010/main" xmlns="" w="9525">
+                  <a14:hiddenLine xmlns="" xmlns:a14="http://schemas.microsoft.com/office/drawing/2010/main" w="9525">
                     <a:solidFill>
                       <a:srgbClr val="000000"/>
                     </a:solidFill>
@@ -10726,7 +10726,7 @@
               </a:ln>
               <a:extLst>
                 <a:ext uri="{91240B29-F687-4f45-9708-019B960494DF}">
-                  <a14:hiddenLine xmlns:a14="http://schemas.microsoft.com/office/drawing/2010/main" xmlns="" w="9525">
+                  <a14:hiddenLine xmlns="" xmlns:a14="http://schemas.microsoft.com/office/drawing/2010/main" w="9525">
                     <a:solidFill>
                       <a:srgbClr val="000000"/>
                     </a:solidFill>
@@ -10816,7 +10816,7 @@
               </a:ln>
               <a:extLst>
                 <a:ext uri="{91240B29-F687-4f45-9708-019B960494DF}">
-                  <a14:hiddenLine xmlns:a14="http://schemas.microsoft.com/office/drawing/2010/main" xmlns="" w="9525">
+                  <a14:hiddenLine xmlns="" xmlns:a14="http://schemas.microsoft.com/office/drawing/2010/main" w="9525">
                     <a:solidFill>
                       <a:srgbClr val="000000"/>
                     </a:solidFill>
@@ -10881,7 +10881,7 @@
               </a:ln>
               <a:extLst>
                 <a:ext uri="{91240B29-F687-4f45-9708-019B960494DF}">
-                  <a14:hiddenLine xmlns:a14="http://schemas.microsoft.com/office/drawing/2010/main" xmlns="" w="9525">
+                  <a14:hiddenLine xmlns="" xmlns:a14="http://schemas.microsoft.com/office/drawing/2010/main" w="9525">
                     <a:solidFill>
                       <a:srgbClr val="000000"/>
                     </a:solidFill>
@@ -11001,7 +11001,7 @@
               </a:ln>
               <a:extLst>
                 <a:ext uri="{91240B29-F687-4f45-9708-019B960494DF}">
-                  <a14:hiddenLine xmlns:a14="http://schemas.microsoft.com/office/drawing/2010/main" xmlns="" w="9525">
+                  <a14:hiddenLine xmlns="" xmlns:a14="http://schemas.microsoft.com/office/drawing/2010/main" w="9525">
                     <a:solidFill>
                       <a:srgbClr val="000000"/>
                     </a:solidFill>
@@ -11099,7 +11099,7 @@
               </a:ln>
               <a:extLst>
                 <a:ext uri="{91240B29-F687-4f45-9708-019B960494DF}">
-                  <a14:hiddenLine xmlns:a14="http://schemas.microsoft.com/office/drawing/2010/main" xmlns="" w="9525">
+                  <a14:hiddenLine xmlns="" xmlns:a14="http://schemas.microsoft.com/office/drawing/2010/main" w="9525">
                     <a:solidFill>
                       <a:srgbClr val="000000"/>
                     </a:solidFill>
@@ -11214,7 +11214,7 @@
               </a:ln>
               <a:extLst>
                 <a:ext uri="{91240B29-F687-4f45-9708-019B960494DF}">
-                  <a14:hiddenLine xmlns:a14="http://schemas.microsoft.com/office/drawing/2010/main" xmlns="" w="9525">
+                  <a14:hiddenLine xmlns="" xmlns:a14="http://schemas.microsoft.com/office/drawing/2010/main" w="9525">
                     <a:solidFill>
                       <a:srgbClr val="000000"/>
                     </a:solidFill>
@@ -11304,7 +11304,7 @@
               </a:ln>
               <a:extLst>
                 <a:ext uri="{91240B29-F687-4f45-9708-019B960494DF}">
-                  <a14:hiddenLine xmlns:a14="http://schemas.microsoft.com/office/drawing/2010/main" xmlns="" w="9525">
+                  <a14:hiddenLine xmlns="" xmlns:a14="http://schemas.microsoft.com/office/drawing/2010/main" w="9525">
                     <a:solidFill>
                       <a:srgbClr val="000000"/>
                     </a:solidFill>
@@ -11369,7 +11369,7 @@
               </a:ln>
               <a:extLst>
                 <a:ext uri="{91240B29-F687-4f45-9708-019B960494DF}">
-                  <a14:hiddenLine xmlns:a14="http://schemas.microsoft.com/office/drawing/2010/main" xmlns="" w="9525">
+                  <a14:hiddenLine xmlns="" xmlns:a14="http://schemas.microsoft.com/office/drawing/2010/main" w="9525">
                     <a:solidFill>
                       <a:srgbClr val="000000"/>
                     </a:solidFill>
@@ -11459,7 +11459,7 @@
               </a:ln>
               <a:extLst>
                 <a:ext uri="{91240B29-F687-4f45-9708-019B960494DF}">
-                  <a14:hiddenLine xmlns:a14="http://schemas.microsoft.com/office/drawing/2010/main" xmlns="" w="9525">
+                  <a14:hiddenLine xmlns="" xmlns:a14="http://schemas.microsoft.com/office/drawing/2010/main" w="9525">
                     <a:solidFill>
                       <a:srgbClr val="000000"/>
                     </a:solidFill>
@@ -11527,7 +11527,7 @@
               </a:ln>
               <a:extLst>
                 <a:ext uri="{91240B29-F687-4f45-9708-019B960494DF}">
-                  <a14:hiddenLine xmlns:a14="http://schemas.microsoft.com/office/drawing/2010/main" xmlns="" w="9525">
+                  <a14:hiddenLine xmlns="" xmlns:a14="http://schemas.microsoft.com/office/drawing/2010/main" w="9525">
                     <a:solidFill>
                       <a:srgbClr val="000000"/>
                     </a:solidFill>
@@ -11617,7 +11617,7 @@
               </a:ln>
               <a:extLst>
                 <a:ext uri="{91240B29-F687-4f45-9708-019B960494DF}">
-                  <a14:hiddenLine xmlns:a14="http://schemas.microsoft.com/office/drawing/2010/main" xmlns="" w="9525">
+                  <a14:hiddenLine xmlns="" xmlns:a14="http://schemas.microsoft.com/office/drawing/2010/main" w="9525">
                     <a:solidFill>
                       <a:srgbClr val="000000"/>
                     </a:solidFill>
@@ -11685,7 +11685,7 @@
               </a:ln>
               <a:extLst>
                 <a:ext uri="{91240B29-F687-4f45-9708-019B960494DF}">
-                  <a14:hiddenLine xmlns:a14="http://schemas.microsoft.com/office/drawing/2010/main" xmlns="" w="9525">
+                  <a14:hiddenLine xmlns="" xmlns:a14="http://schemas.microsoft.com/office/drawing/2010/main" w="9525">
                     <a:solidFill>
                       <a:srgbClr val="000000"/>
                     </a:solidFill>
@@ -11775,7 +11775,7 @@
               </a:ln>
               <a:extLst>
                 <a:ext uri="{91240B29-F687-4f45-9708-019B960494DF}">
-                  <a14:hiddenLine xmlns:a14="http://schemas.microsoft.com/office/drawing/2010/main" xmlns="" w="9525">
+                  <a14:hiddenLine xmlns="" xmlns:a14="http://schemas.microsoft.com/office/drawing/2010/main" w="9525">
                     <a:solidFill>
                       <a:srgbClr val="000000"/>
                     </a:solidFill>
@@ -11809,7 +11809,7 @@
               </a:ln>
               <a:extLst>
                 <a:ext uri="{91240B29-F687-4f45-9708-019B960494DF}">
-                  <a14:hiddenLine xmlns:a14="http://schemas.microsoft.com/office/drawing/2010/main" xmlns="" w="9525">
+                  <a14:hiddenLine xmlns="" xmlns:a14="http://schemas.microsoft.com/office/drawing/2010/main" w="9525">
                     <a:solidFill>
                       <a:srgbClr val="000000"/>
                     </a:solidFill>
@@ -11950,7 +11950,7 @@
             <a:fld id="{48A87A34-81AB-432B-8DAE-1953F412C126}" type="datetimeFigureOut">
               <a:rPr lang="en-US" dirty="0"/>
               <a:pPr/>
-              <a:t>8/30/2021</a:t>
+              <a:t>8/31/2021</a:t>
             </a:fld>
             <a:endParaRPr lang="en-US" dirty="0"/>
           </a:p>
@@ -12513,7 +12513,9 @@
         </p:nvSpPr>
         <p:spPr/>
         <p:txBody>
-          <a:bodyPr/>
+          <a:bodyPr>
+            <a:normAutofit lnSpcReduction="10000"/>
+          </a:bodyPr>
           <a:lstStyle/>
           <a:p>
             <a:r>
@@ -12532,11 +12534,20 @@
               <a:rPr lang="en-CZ" dirty="0"/>
               <a:t>Action is treated like event</a:t>
             </a:r>
+            <a:endParaRPr lang="en-US" dirty="0"/>
+          </a:p>
+          <a:p>
+            <a:pPr lvl="1"/>
+            <a:r>
+              <a:rPr lang="en-US" dirty="0"/>
+              <a:t>invoking is synchronous</a:t>
+            </a:r>
+            <a:endParaRPr lang="en-CZ" dirty="0"/>
           </a:p>
           <a:p>
             <a:r>
               <a:rPr lang="en-GB" dirty="0"/>
-              <a:t>In order to await there needs to be a </a:t>
+              <a:t>in order to make asynchronous call there needs to be a </a:t>
             </a:r>
             <a:r>
               <a:rPr lang="en-GB" dirty="0" err="1"/>
@@ -12555,11 +12566,11 @@
               <a:buNone/>
             </a:pPr>
             <a:r>
-              <a:rPr lang="en-GB" dirty="0"/>
-              <a:t>See example </a:t>
-            </a:r>
-            <a:r>
-              <a:rPr lang="en-GB" dirty="0">
+              <a:rPr lang="cs-CZ" dirty="0"/>
+              <a:t>The correct solution is </a:t>
+            </a:r>
+            <a:r>
+              <a:rPr lang="cs-CZ" dirty="0">
                 <a:hlinkClick r:id="rId2"/>
               </a:rPr>
               <a:t>here</a:t>
@@ -12623,6 +12634,11 @@
               <a:rPr lang="en-CZ" dirty="0"/>
               <a:t>Funny explanation</a:t>
             </a:r>
+            <a:r>
+              <a:rPr lang="cs-CZ" dirty="0"/>
+              <a:t> of delegates, events and callbacks</a:t>
+            </a:r>
+            <a:endParaRPr lang="en-CZ" dirty="0"/>
           </a:p>
         </p:txBody>
       </p:sp>
@@ -12666,20 +12682,13 @@
             </a:br>
             <a:r>
               <a:rPr lang="en-GB" dirty="0"/>
-              <a:t>But here's my number (delegate),</a:t>
+              <a:t>But here's my number (delegate, event),</a:t>
             </a:r>
             <a:br>
               <a:rPr lang="en-GB" dirty="0"/>
             </a:br>
             <a:r>
               <a:rPr lang="en-GB" dirty="0"/>
-              <a:t>So if something happens (event),</a:t>
-            </a:r>
-            <a:br>
-              <a:rPr lang="en-GB" dirty="0"/>
-            </a:br>
-            <a:r>
-              <a:rPr lang="en-GB" dirty="0"/>
               <a:t>Call me, maybe? (</a:t>
             </a:r>
             <a:r>
@@ -12687,7 +12696,7 @@
               <a:t>callback</a:t>
             </a:r>
             <a:r>
-              <a:rPr lang="en-GB"/>
+              <a:rPr lang="en-GB" dirty="0"/>
               <a:t>)</a:t>
             </a:r>
             <a:endParaRPr lang="en-CZ" dirty="0"/>
@@ -12901,7 +12910,9 @@
         </p:nvSpPr>
         <p:spPr/>
         <p:txBody>
-          <a:bodyPr/>
+          <a:bodyPr>
+            <a:normAutofit/>
+          </a:bodyPr>
           <a:lstStyle/>
           <a:p>
             <a:r>
@@ -12972,6 +12983,19 @@
             <a:r>
               <a:rPr lang="en-GB" dirty="0"/>
               <a:t>("Hello there!");</a:t>
+            </a:r>
+            <a:endParaRPr lang="cs-CZ" dirty="0"/>
+          </a:p>
+          <a:p>
+            <a:r>
+              <a:rPr lang="cs-CZ" dirty="0"/>
+              <a:t>see example </a:t>
+            </a:r>
+            <a:r>
+              <a:rPr lang="cs-CZ" dirty="0">
+                <a:hlinkClick r:id="rId2"/>
+              </a:rPr>
+              <a:t>here</a:t>
             </a:r>
             <a:endParaRPr lang="en-CZ" dirty="0"/>
           </a:p>
@@ -13012,6 +13036,158 @@
           <p:cNvPr id="2" name="Title 1">
             <a:extLst>
               <a:ext uri="{FF2B5EF4-FFF2-40B4-BE49-F238E27FC236}">
+                <a16:creationId xmlns:a16="http://schemas.microsoft.com/office/drawing/2014/main" id="{6F1D3617-D875-42CD-83A8-E9CBEE82DE39}"/>
+              </a:ext>
+            </a:extLst>
+          </p:cNvPr>
+          <p:cNvSpPr>
+            <a:spLocks noGrp="1"/>
+          </p:cNvSpPr>
+          <p:nvPr>
+            <p:ph type="title"/>
+          </p:nvPr>
+        </p:nvSpPr>
+        <p:spPr/>
+        <p:txBody>
+          <a:bodyPr/>
+          <a:lstStyle/>
+          <a:p>
+            <a:r>
+              <a:rPr lang="en-US" dirty="0"/>
+              <a:t>Casting a delegate</a:t>
+            </a:r>
+          </a:p>
+        </p:txBody>
+      </p:sp>
+      <p:sp>
+        <p:nvSpPr>
+          <p:cNvPr id="3" name="Content Placeholder 2">
+            <a:extLst>
+              <a:ext uri="{FF2B5EF4-FFF2-40B4-BE49-F238E27FC236}">
+                <a16:creationId xmlns:a16="http://schemas.microsoft.com/office/drawing/2014/main" id="{3CE16EBC-6C24-420D-9F72-3FB361090BE7}"/>
+              </a:ext>
+            </a:extLst>
+          </p:cNvPr>
+          <p:cNvSpPr>
+            <a:spLocks noGrp="1"/>
+          </p:cNvSpPr>
+          <p:nvPr>
+            <p:ph idx="1"/>
+          </p:nvPr>
+        </p:nvSpPr>
+        <p:spPr/>
+        <p:txBody>
+          <a:bodyPr>
+            <a:normAutofit fontScale="92500" lnSpcReduction="20000"/>
+          </a:bodyPr>
+          <a:lstStyle/>
+          <a:p>
+            <a:r>
+              <a:rPr lang="en-US" dirty="0"/>
+              <a:t>Single cast delegate</a:t>
+            </a:r>
+          </a:p>
+          <a:p>
+            <a:pPr lvl="1"/>
+            <a:r>
+              <a:rPr lang="en-US" dirty="0"/>
+              <a:t>invokes a single method</a:t>
+            </a:r>
+          </a:p>
+          <a:p>
+            <a:pPr lvl="1"/>
+            <a:r>
+              <a:rPr lang="en-US" dirty="0" err="1"/>
+              <a:t>hello.Invoke</a:t>
+            </a:r>
+            <a:r>
+              <a:rPr lang="en-US" dirty="0"/>
+              <a:t>(“Single cast invocation executed”);</a:t>
+            </a:r>
+          </a:p>
+          <a:p>
+            <a:pPr lvl="1"/>
+            <a:endParaRPr lang="en-US" dirty="0"/>
+          </a:p>
+          <a:p>
+            <a:r>
+              <a:rPr lang="en-US" dirty="0"/>
+              <a:t>Multi cast delegate</a:t>
+            </a:r>
+          </a:p>
+          <a:p>
+            <a:pPr lvl="1"/>
+            <a:r>
+              <a:rPr lang="en-US" dirty="0"/>
+              <a:t>invokes multiple methods within a single invocation</a:t>
+            </a:r>
+          </a:p>
+          <a:p>
+            <a:pPr lvl="1"/>
+            <a:r>
+              <a:rPr lang="en-US" dirty="0"/>
+              <a:t>invocations are done synchronously</a:t>
+            </a:r>
+          </a:p>
+          <a:p>
+            <a:pPr lvl="1"/>
+            <a:r>
+              <a:rPr lang="en-US" dirty="0"/>
+              <a:t>uses += and -= operators</a:t>
+            </a:r>
+            <a:endParaRPr lang="cs-CZ" dirty="0"/>
+          </a:p>
+          <a:p>
+            <a:pPr lvl="1"/>
+            <a:r>
+              <a:rPr lang="cs-CZ" dirty="0"/>
+              <a:t>see example </a:t>
+            </a:r>
+            <a:r>
+              <a:rPr lang="cs-CZ" dirty="0">
+                <a:hlinkClick r:id="rId2"/>
+              </a:rPr>
+              <a:t>here</a:t>
+            </a:r>
+            <a:endParaRPr lang="en-US" dirty="0"/>
+          </a:p>
+        </p:txBody>
+      </p:sp>
+    </p:spTree>
+    <p:extLst>
+      <p:ext uri="{BB962C8B-B14F-4D97-AF65-F5344CB8AC3E}">
+        <p14:creationId xmlns:p14="http://schemas.microsoft.com/office/powerpoint/2010/main" val="1983546413"/>
+      </p:ext>
+    </p:extLst>
+  </p:cSld>
+  <p:clrMapOvr>
+    <a:masterClrMapping/>
+  </p:clrMapOvr>
+</p:sld>
+</file>
+
+<file path=ppt/slides/slide5.xml><?xml version="1.0" encoding="utf-8"?>
+<p:sld xmlns:a="http://schemas.openxmlformats.org/drawingml/2006/main" xmlns:r="http://schemas.openxmlformats.org/officeDocument/2006/relationships" xmlns:p="http://schemas.openxmlformats.org/presentationml/2006/main">
+  <p:cSld>
+    <p:spTree>
+      <p:nvGrpSpPr>
+        <p:cNvPr id="1" name=""/>
+        <p:cNvGrpSpPr/>
+        <p:nvPr/>
+      </p:nvGrpSpPr>
+      <p:grpSpPr>
+        <a:xfrm>
+          <a:off x="0" y="0"/>
+          <a:ext cx="0" cy="0"/>
+          <a:chOff x="0" y="0"/>
+          <a:chExt cx="0" cy="0"/>
+        </a:xfrm>
+      </p:grpSpPr>
+      <p:sp>
+        <p:nvSpPr>
+          <p:cNvPr id="2" name="Title 1">
+            <a:extLst>
+              <a:ext uri="{FF2B5EF4-FFF2-40B4-BE49-F238E27FC236}">
                 <a16:creationId xmlns:a16="http://schemas.microsoft.com/office/drawing/2014/main" id="{7C85EC65-68B8-274A-BAA5-16AC422BB36B}"/>
               </a:ext>
             </a:extLst>
@@ -13070,10 +13246,27 @@
           <a:p>
             <a:pPr lvl="1"/>
             <a:r>
+              <a:rPr lang="en-US" dirty="0"/>
+              <a:t>instantiating</a:t>
+            </a:r>
+            <a:r>
               <a:rPr lang="en-GB" dirty="0"/>
-              <a:t>Instantiating a delegate eliminates a need to create a separate method</a:t>
-            </a:r>
-            <a:endParaRPr lang="en-CZ" dirty="0"/>
+              <a:t> a delegate eliminates a need to create a separate method</a:t>
+            </a:r>
+            <a:endParaRPr lang="cs-CZ" dirty="0"/>
+          </a:p>
+          <a:p>
+            <a:r>
+              <a:rPr lang="cs-CZ" dirty="0"/>
+              <a:t>see example </a:t>
+            </a:r>
+            <a:r>
+              <a:rPr lang="cs-CZ" dirty="0">
+                <a:hlinkClick r:id="rId2"/>
+              </a:rPr>
+              <a:t>here</a:t>
+            </a:r>
+            <a:endParaRPr lang="en-GB" dirty="0"/>
           </a:p>
         </p:txBody>
       </p:sp>
@@ -13090,7 +13283,7 @@
 </p:sld>
 </file>
 
-<file path=ppt/slides/slide5.xml><?xml version="1.0" encoding="utf-8"?>
+<file path=ppt/slides/slide6.xml><?xml version="1.0" encoding="utf-8"?>
 <p:sld xmlns:a="http://schemas.openxmlformats.org/drawingml/2006/main" xmlns:r="http://schemas.openxmlformats.org/officeDocument/2006/relationships" xmlns:p="http://schemas.openxmlformats.org/presentationml/2006/main">
   <p:cSld>
     <p:spTree>
@@ -13186,9 +13379,6 @@
             </a:r>
           </a:p>
           <a:p>
-            <a:endParaRPr lang="en-CZ" dirty="0"/>
-          </a:p>
-          <a:p>
             <a:r>
               <a:rPr lang="en-GB" dirty="0"/>
               <a:t>u</a:t>
@@ -13211,136 +13401,6 @@
     <p:extLst>
       <p:ext uri="{BB962C8B-B14F-4D97-AF65-F5344CB8AC3E}">
         <p14:creationId xmlns:p14="http://schemas.microsoft.com/office/powerpoint/2010/main" val="749391497"/>
-      </p:ext>
-    </p:extLst>
-  </p:cSld>
-  <p:clrMapOvr>
-    <a:masterClrMapping/>
-  </p:clrMapOvr>
-</p:sld>
-</file>
-
-<file path=ppt/slides/slide6.xml><?xml version="1.0" encoding="utf-8"?>
-<p:sld xmlns:a="http://schemas.openxmlformats.org/drawingml/2006/main" xmlns:r="http://schemas.openxmlformats.org/officeDocument/2006/relationships" xmlns:p="http://schemas.openxmlformats.org/presentationml/2006/main">
-  <p:cSld>
-    <p:spTree>
-      <p:nvGrpSpPr>
-        <p:cNvPr id="1" name=""/>
-        <p:cNvGrpSpPr/>
-        <p:nvPr/>
-      </p:nvGrpSpPr>
-      <p:grpSpPr>
-        <a:xfrm>
-          <a:off x="0" y="0"/>
-          <a:ext cx="0" cy="0"/>
-          <a:chOff x="0" y="0"/>
-          <a:chExt cx="0" cy="0"/>
-        </a:xfrm>
-      </p:grpSpPr>
-      <p:sp>
-        <p:nvSpPr>
-          <p:cNvPr id="2" name="Title 1">
-            <a:extLst>
-              <a:ext uri="{FF2B5EF4-FFF2-40B4-BE49-F238E27FC236}">
-                <a16:creationId xmlns:a16="http://schemas.microsoft.com/office/drawing/2014/main" id="{A7A9D0A8-1FA5-7445-AEFB-880A07627A5F}"/>
-              </a:ext>
-            </a:extLst>
-          </p:cNvPr>
-          <p:cNvSpPr>
-            <a:spLocks noGrp="1"/>
-          </p:cNvSpPr>
-          <p:nvPr>
-            <p:ph type="title"/>
-          </p:nvPr>
-        </p:nvSpPr>
-        <p:spPr/>
-        <p:txBody>
-          <a:bodyPr/>
-          <a:lstStyle/>
-          <a:p>
-            <a:r>
-              <a:rPr lang="en-CZ" dirty="0"/>
-              <a:t>Using delegate as method argument</a:t>
-            </a:r>
-          </a:p>
-        </p:txBody>
-      </p:sp>
-      <p:sp>
-        <p:nvSpPr>
-          <p:cNvPr id="3" name="Content Placeholder 2">
-            <a:extLst>
-              <a:ext uri="{FF2B5EF4-FFF2-40B4-BE49-F238E27FC236}">
-                <a16:creationId xmlns:a16="http://schemas.microsoft.com/office/drawing/2014/main" id="{FC1EAB96-6F9E-0646-ACE4-E0AD0B43F9EB}"/>
-              </a:ext>
-            </a:extLst>
-          </p:cNvPr>
-          <p:cNvSpPr>
-            <a:spLocks noGrp="1"/>
-          </p:cNvSpPr>
-          <p:nvPr>
-            <p:ph idx="1"/>
-          </p:nvPr>
-        </p:nvSpPr>
-        <p:spPr/>
-        <p:txBody>
-          <a:bodyPr>
-            <a:normAutofit/>
-          </a:bodyPr>
-          <a:lstStyle/>
-          <a:p>
-            <a:r>
-              <a:rPr lang="en-GB" dirty="0"/>
-              <a:t>delegate can be used to pass method as another method’s argument</a:t>
-            </a:r>
-          </a:p>
-          <a:p>
-            <a:r>
-              <a:rPr lang="en-GB" dirty="0"/>
-              <a:t>reduces coding overhead</a:t>
-            </a:r>
-          </a:p>
-          <a:p>
-            <a:pPr lvl="1"/>
-            <a:r>
-              <a:rPr lang="en-GB" dirty="0"/>
-              <a:t>Instantiating a delegate eliminates a need to create a separate method</a:t>
-            </a:r>
-            <a:endParaRPr lang="en-CZ" dirty="0"/>
-          </a:p>
-          <a:p>
-            <a:pPr marL="0" indent="0">
-              <a:buNone/>
-            </a:pPr>
-            <a:endParaRPr lang="en-GB" dirty="0"/>
-          </a:p>
-          <a:p>
-            <a:pPr marL="0" indent="0">
-              <a:buNone/>
-            </a:pPr>
-            <a:endParaRPr lang="en-GB" dirty="0"/>
-          </a:p>
-          <a:p>
-            <a:pPr marL="0" indent="0">
-              <a:buNone/>
-            </a:pPr>
-            <a:r>
-              <a:rPr lang="en-GB" dirty="0"/>
-              <a:t>See example </a:t>
-            </a:r>
-            <a:r>
-              <a:rPr lang="en-GB" dirty="0">
-                <a:hlinkClick r:id="rId2"/>
-              </a:rPr>
-              <a:t>here</a:t>
-            </a:r>
-            <a:endParaRPr lang="en-GB" dirty="0"/>
-          </a:p>
-        </p:txBody>
-      </p:sp>
-    </p:spTree>
-    <p:extLst>
-      <p:ext uri="{BB962C8B-B14F-4D97-AF65-F5344CB8AC3E}">
-        <p14:creationId xmlns:p14="http://schemas.microsoft.com/office/powerpoint/2010/main" val="4154188528"/>
       </p:ext>
     </p:extLst>
   </p:cSld>
@@ -13424,6 +13484,12 @@
           <a:lstStyle/>
           <a:p>
             <a:r>
+              <a:rPr lang="cs-CZ" dirty="0"/>
+              <a:t>is a wrapper around a delegate</a:t>
+            </a:r>
+          </a:p>
+          <a:p>
+            <a:r>
               <a:rPr lang="en-GB" dirty="0"/>
               <a:t>e</a:t>
             </a:r>
@@ -13481,28 +13547,20 @@
               <a:rPr lang="en-CZ" dirty="0"/>
               <a:t>bject that receives (handles) the event</a:t>
             </a:r>
-          </a:p>
-          <a:p>
-            <a:pPr marL="457200" lvl="1" indent="0">
-              <a:buNone/>
-            </a:pPr>
-            <a:endParaRPr lang="en-CZ" dirty="0"/>
-          </a:p>
-          <a:p>
-            <a:pPr marL="0" indent="0">
-              <a:buNone/>
-            </a:pPr>
-            <a:r>
-              <a:rPr lang="en-CZ" dirty="0"/>
-              <a:t>See example </a:t>
-            </a:r>
-            <a:r>
-              <a:rPr lang="en-CZ" dirty="0">
+            <a:endParaRPr lang="cs-CZ" dirty="0"/>
+          </a:p>
+          <a:p>
+            <a:r>
+              <a:rPr lang="cs-CZ" dirty="0"/>
+              <a:t>see „example“ </a:t>
+            </a:r>
+            <a:r>
+              <a:rPr lang="cs-CZ" dirty="0">
                 <a:hlinkClick r:id="rId2"/>
               </a:rPr>
               <a:t>here</a:t>
             </a:r>
-            <a:endParaRPr lang="en-GB" dirty="0"/>
+            <a:endParaRPr lang="en-CZ" dirty="0"/>
           </a:p>
         </p:txBody>
       </p:sp>
@@ -13588,9 +13646,15 @@
         </p:spPr>
         <p:txBody>
           <a:bodyPr>
-            <a:normAutofit/>
+            <a:normAutofit fontScale="92500" lnSpcReduction="10000"/>
           </a:bodyPr>
           <a:lstStyle/>
+          <a:p>
+            <a:r>
+              <a:rPr lang="cs-CZ" dirty="0"/>
+              <a:t>also called predefined delegates</a:t>
+            </a:r>
+          </a:p>
           <a:p>
             <a:r>
               <a:rPr lang="en-GB" dirty="0"/>
@@ -13741,23 +13805,29 @@
         </p:nvSpPr>
         <p:spPr/>
         <p:txBody>
-          <a:bodyPr/>
+          <a:bodyPr>
+            <a:normAutofit lnSpcReduction="10000"/>
+          </a:bodyPr>
           <a:lstStyle/>
           <a:p>
-            <a:pPr marL="0" indent="0">
+            <a:pPr marL="0" indent="0" algn="ctr">
               <a:buNone/>
             </a:pPr>
-            <a:r>
-              <a:rPr lang="en-GB" dirty="0"/>
-              <a:t>See example </a:t>
-            </a:r>
-            <a:r>
-              <a:rPr lang="en-GB" dirty="0">
+            <a:endParaRPr lang="en-US" dirty="0">
+              <a:hlinkClick r:id="rId2"/>
+            </a:endParaRPr>
+          </a:p>
+          <a:p>
+            <a:pPr marL="0" indent="0" algn="ctr">
+              <a:buNone/>
+            </a:pPr>
+            <a:r>
+              <a:rPr lang="en-US" sz="4000" dirty="0">
                 <a:hlinkClick r:id="rId2"/>
               </a:rPr>
-              <a:t>here</a:t>
-            </a:r>
-            <a:endParaRPr lang="en-GB" dirty="0"/>
+              <a:t>GO HERE</a:t>
+            </a:r>
+            <a:endParaRPr lang="en-GB" sz="4000" dirty="0"/>
           </a:p>
           <a:p>
             <a:pPr marL="0" indent="0">
@@ -13781,12 +13851,6 @@
             <a:pPr marL="0" indent="0">
               <a:buNone/>
             </a:pPr>
-            <a:endParaRPr lang="en-GB" dirty="0"/>
-          </a:p>
-          <a:p>
-            <a:pPr marL="0" indent="0">
-              <a:buNone/>
-            </a:pPr>
             <a:r>
               <a:rPr lang="en-GB" dirty="0"/>
               <a:t>The answer is on a next slide :-)</a:t>
@@ -13795,6 +13859,36 @@
           </a:p>
         </p:txBody>
       </p:sp>
+      <p:pic>
+        <p:nvPicPr>
+          <p:cNvPr id="5" name="Picture 4" descr="A picture containing pool ball, egg, light, vector graphics&#10;&#10;Description automatically generated">
+            <a:extLst>
+              <a:ext uri="{FF2B5EF4-FFF2-40B4-BE49-F238E27FC236}">
+                <a16:creationId xmlns:a16="http://schemas.microsoft.com/office/drawing/2014/main" id="{C189C9CE-5040-4216-B81B-C3C709F73E6E}"/>
+              </a:ext>
+            </a:extLst>
+          </p:cNvPr>
+          <p:cNvPicPr>
+            <a:picLocks noChangeAspect="1"/>
+          </p:cNvPicPr>
+          <p:nvPr/>
+        </p:nvPicPr>
+        <p:blipFill>
+          <a:blip r:embed="rId3"/>
+          <a:stretch>
+            <a:fillRect/>
+          </a:stretch>
+        </p:blipFill>
+        <p:spPr>
+          <a:xfrm>
+            <a:off x="9493828" y="2097088"/>
+            <a:ext cx="1553583" cy="1590869"/>
+          </a:xfrm>
+          <a:prstGeom prst="rect">
+            <a:avLst/>
+          </a:prstGeom>
+        </p:spPr>
+      </p:pic>
     </p:spTree>
     <p:extLst>
       <p:ext uri="{BB962C8B-B14F-4D97-AF65-F5344CB8AC3E}">
